--- a/HGRN_pseudocode/fancy_schematic_final_v2.pptx
+++ b/HGRN_pseudocode/fancy_schematic_final_v2.pptx
@@ -104,6 +104,11 @@
       </a:defRPr>
     </a:lvl9pPr>
   </p:defaultTextStyle>
+  <p:extLst>
+    <p:ext uri="{EFAFB233-063F-42B5-8137-9DF3F51BA10A}">
+      <p15:sldGuideLst xmlns:p15="http://schemas.microsoft.com/office/powerpoint/2012/main"/>
+    </p:ext>
+  </p:extLst>
 </p:presentation>
 </file>
 
@@ -254,7 +259,7 @@
           <a:p>
             <a:fld id="{3EA89BF7-A316-4FC4-8212-F7C605223150}" type="datetimeFigureOut">
               <a:rPr lang="en-US" smtClean="0"/>
-              <a:t>9/27/2023</a:t>
+              <a:t>10/1/2023</a:t>
             </a:fld>
             <a:endParaRPr lang="en-US"/>
           </a:p>
@@ -452,7 +457,7 @@
           <a:p>
             <a:fld id="{3EA89BF7-A316-4FC4-8212-F7C605223150}" type="datetimeFigureOut">
               <a:rPr lang="en-US" smtClean="0"/>
-              <a:t>9/27/2023</a:t>
+              <a:t>10/1/2023</a:t>
             </a:fld>
             <a:endParaRPr lang="en-US"/>
           </a:p>
@@ -660,7 +665,7 @@
           <a:p>
             <a:fld id="{3EA89BF7-A316-4FC4-8212-F7C605223150}" type="datetimeFigureOut">
               <a:rPr lang="en-US" smtClean="0"/>
-              <a:t>9/27/2023</a:t>
+              <a:t>10/1/2023</a:t>
             </a:fld>
             <a:endParaRPr lang="en-US"/>
           </a:p>
@@ -858,7 +863,7 @@
           <a:p>
             <a:fld id="{3EA89BF7-A316-4FC4-8212-F7C605223150}" type="datetimeFigureOut">
               <a:rPr lang="en-US" smtClean="0"/>
-              <a:t>9/27/2023</a:t>
+              <a:t>10/1/2023</a:t>
             </a:fld>
             <a:endParaRPr lang="en-US"/>
           </a:p>
@@ -1133,7 +1138,7 @@
           <a:p>
             <a:fld id="{3EA89BF7-A316-4FC4-8212-F7C605223150}" type="datetimeFigureOut">
               <a:rPr lang="en-US" smtClean="0"/>
-              <a:t>9/27/2023</a:t>
+              <a:t>10/1/2023</a:t>
             </a:fld>
             <a:endParaRPr lang="en-US"/>
           </a:p>
@@ -1398,7 +1403,7 @@
           <a:p>
             <a:fld id="{3EA89BF7-A316-4FC4-8212-F7C605223150}" type="datetimeFigureOut">
               <a:rPr lang="en-US" smtClean="0"/>
-              <a:t>9/27/2023</a:t>
+              <a:t>10/1/2023</a:t>
             </a:fld>
             <a:endParaRPr lang="en-US"/>
           </a:p>
@@ -1810,7 +1815,7 @@
           <a:p>
             <a:fld id="{3EA89BF7-A316-4FC4-8212-F7C605223150}" type="datetimeFigureOut">
               <a:rPr lang="en-US" smtClean="0"/>
-              <a:t>9/27/2023</a:t>
+              <a:t>10/1/2023</a:t>
             </a:fld>
             <a:endParaRPr lang="en-US"/>
           </a:p>
@@ -1951,7 +1956,7 @@
           <a:p>
             <a:fld id="{3EA89BF7-A316-4FC4-8212-F7C605223150}" type="datetimeFigureOut">
               <a:rPr lang="en-US" smtClean="0"/>
-              <a:t>9/27/2023</a:t>
+              <a:t>10/1/2023</a:t>
             </a:fld>
             <a:endParaRPr lang="en-US"/>
           </a:p>
@@ -2064,7 +2069,7 @@
           <a:p>
             <a:fld id="{3EA89BF7-A316-4FC4-8212-F7C605223150}" type="datetimeFigureOut">
               <a:rPr lang="en-US" smtClean="0"/>
-              <a:t>9/27/2023</a:t>
+              <a:t>10/1/2023</a:t>
             </a:fld>
             <a:endParaRPr lang="en-US"/>
           </a:p>
@@ -2375,7 +2380,7 @@
           <a:p>
             <a:fld id="{3EA89BF7-A316-4FC4-8212-F7C605223150}" type="datetimeFigureOut">
               <a:rPr lang="en-US" smtClean="0"/>
-              <a:t>9/27/2023</a:t>
+              <a:t>10/1/2023</a:t>
             </a:fld>
             <a:endParaRPr lang="en-US"/>
           </a:p>
@@ -2663,7 +2668,7 @@
           <a:p>
             <a:fld id="{3EA89BF7-A316-4FC4-8212-F7C605223150}" type="datetimeFigureOut">
               <a:rPr lang="en-US" smtClean="0"/>
-              <a:t>9/27/2023</a:t>
+              <a:t>10/1/2023</a:t>
             </a:fld>
             <a:endParaRPr lang="en-US"/>
           </a:p>
@@ -2904,7 +2909,7 @@
           <a:p>
             <a:fld id="{3EA89BF7-A316-4FC4-8212-F7C605223150}" type="datetimeFigureOut">
               <a:rPr lang="en-US" smtClean="0"/>
-              <a:t>9/27/2023</a:t>
+              <a:t>10/1/2023</a:t>
             </a:fld>
             <a:endParaRPr lang="en-US"/>
           </a:p>
@@ -3578,9 +3583,9 @@
         <p:grpSpPr>
           <a:xfrm>
             <a:off x="711200" y="2032930"/>
-            <a:ext cx="1390848" cy="1362189"/>
+            <a:ext cx="1403159" cy="1362189"/>
             <a:chOff x="4705152" y="2731382"/>
-            <a:chExt cx="1390848" cy="1362189"/>
+            <a:chExt cx="1403159" cy="1362189"/>
           </a:xfrm>
         </p:grpSpPr>
         <p:pic>
@@ -3644,7 +3649,7 @@
               <p:spPr>
                 <a:xfrm>
                   <a:off x="5022436" y="2731382"/>
-                  <a:ext cx="999313" cy="246221"/>
+                  <a:ext cx="1085875" cy="246221"/>
                 </a:xfrm>
                 <a:prstGeom prst="rect">
                   <a:avLst/>
@@ -3663,6 +3668,12 @@
                   </a:r>
                   <a14:m>
                     <m:oMath xmlns:m="http://schemas.openxmlformats.org/officeDocument/2006/math">
+                      <m:r>
+                        <a:rPr lang="en-US" sz="1000" b="0" i="0" smtClean="0">
+                          <a:latin typeface="Cambria Math" panose="02040503050406030204" pitchFamily="18" charset="0"/>
+                        </a:rPr>
+                        <m:t>   </m:t>
+                      </m:r>
                       <m:r>
                         <a:rPr lang="en-US" sz="1000" b="0" i="1" smtClean="0">
                           <a:latin typeface="Cambria Math" panose="02040503050406030204" pitchFamily="18" charset="0"/>
@@ -3700,7 +3711,7 @@
               <p:spPr>
                 <a:xfrm>
                   <a:off x="5022436" y="2731382"/>
-                  <a:ext cx="999313" cy="246221"/>
+                  <a:ext cx="1085875" cy="246221"/>
                 </a:xfrm>
                 <a:prstGeom prst="rect">
                   <a:avLst/>
@@ -3743,8 +3754,8 @@
               </p:nvSpPr>
               <p:spPr>
                 <a:xfrm rot="16200000">
-                  <a:off x="4366277" y="3358518"/>
-                  <a:ext cx="923971" cy="246221"/>
+                  <a:off x="4308569" y="3358518"/>
+                  <a:ext cx="1039387" cy="246221"/>
                 </a:xfrm>
                 <a:prstGeom prst="rect">
                   <a:avLst/>
@@ -3763,6 +3774,12 @@
                   </a:r>
                   <a14:m>
                     <m:oMath xmlns:m="http://schemas.openxmlformats.org/officeDocument/2006/math">
+                      <m:r>
+                        <a:rPr lang="en-US" sz="1000" b="0" i="0" smtClean="0">
+                          <a:latin typeface="Cambria Math" panose="02040503050406030204" pitchFamily="18" charset="0"/>
+                        </a:rPr>
+                        <m:t>    </m:t>
+                      </m:r>
                       <m:r>
                         <a:rPr lang="en-US" sz="1000" b="0" i="1" smtClean="0">
                           <a:latin typeface="Cambria Math" panose="02040503050406030204" pitchFamily="18" charset="0"/>
@@ -3799,8 +3816,8 @@
               </p:nvSpPr>
               <p:spPr>
                 <a:xfrm rot="16200000">
-                  <a:off x="4366277" y="3358518"/>
-                  <a:ext cx="923971" cy="246221"/>
+                  <a:off x="4308569" y="3358518"/>
+                  <a:ext cx="1039387" cy="246221"/>
                 </a:xfrm>
                 <a:prstGeom prst="rect">
                   <a:avLst/>
@@ -3892,8 +3909,8 @@
             </a:ln>
           </p:spPr>
         </p:pic>
-        <mc:AlternateContent xmlns:mc="http://schemas.openxmlformats.org/markup-compatibility/2006">
-          <mc:Choice xmlns:a14="http://schemas.microsoft.com/office/drawing/2010/main" Requires="a14">
+        <mc:AlternateContent xmlns:mc="http://schemas.openxmlformats.org/markup-compatibility/2006" xmlns:a14="http://schemas.microsoft.com/office/drawing/2010/main">
+          <mc:Choice Requires="a14">
             <p:sp>
               <p:nvSpPr>
                 <p:cNvPr id="61" name="TextBox 60">
@@ -3947,7 +3964,7 @@
               </p:txBody>
             </p:sp>
           </mc:Choice>
-          <mc:Fallback>
+          <mc:Fallback xmlns="">
             <p:sp>
               <p:nvSpPr>
                 <p:cNvPr id="61" name="TextBox 60">
@@ -3971,7 +3988,7 @@
                   <a:avLst/>
                 </a:prstGeom>
                 <a:blipFill>
-                  <a:blip r:embed="rId7"/>
+                  <a:blip r:embed="rId9"/>
                   <a:stretch>
                     <a:fillRect b="-17500"/>
                   </a:stretch>
@@ -3992,8 +4009,8 @@
             </p:sp>
           </mc:Fallback>
         </mc:AlternateContent>
-        <mc:AlternateContent xmlns:mc="http://schemas.openxmlformats.org/markup-compatibility/2006">
-          <mc:Choice xmlns:a14="http://schemas.microsoft.com/office/drawing/2010/main" Requires="a14">
+        <mc:AlternateContent xmlns:mc="http://schemas.openxmlformats.org/markup-compatibility/2006" xmlns:a14="http://schemas.microsoft.com/office/drawing/2010/main">
+          <mc:Choice Requires="a14">
             <p:sp>
               <p:nvSpPr>
                 <p:cNvPr id="62" name="TextBox 61">
@@ -4047,7 +4064,7 @@
               </p:txBody>
             </p:sp>
           </mc:Choice>
-          <mc:Fallback>
+          <mc:Fallback xmlns="">
             <p:sp>
               <p:nvSpPr>
                 <p:cNvPr id="62" name="TextBox 61">
@@ -4071,7 +4088,7 @@
                   <a:avLst/>
                 </a:prstGeom>
                 <a:blipFill>
-                  <a:blip r:embed="rId9"/>
+                  <a:blip r:embed="rId10"/>
                   <a:stretch>
                     <a:fillRect r="-15000"/>
                   </a:stretch>
@@ -4199,8 +4216,8 @@
         </p:nvSpPr>
         <p:spPr>
           <a:xfrm rot="16200000">
-            <a:off x="5484432" y="1246167"/>
-            <a:ext cx="621412" cy="371880"/>
+            <a:off x="5574895" y="1336630"/>
+            <a:ext cx="440486" cy="371880"/>
           </a:xfrm>
           <a:prstGeom prst="rightArrow">
             <a:avLst/>
@@ -4246,7 +4263,7 @@
           <p:nvPr/>
         </p:nvPicPr>
         <p:blipFill>
-          <a:blip r:embed="rId10"/>
+          <a:blip r:embed="rId11"/>
           <a:stretch>
             <a:fillRect/>
           </a:stretch>
@@ -4276,7 +4293,7 @@
           <p:nvPr/>
         </p:nvPicPr>
         <p:blipFill>
-          <a:blip r:embed="rId11"/>
+          <a:blip r:embed="rId12"/>
           <a:stretch>
             <a:fillRect/>
           </a:stretch>
@@ -4306,7 +4323,7 @@
           <p:nvPr/>
         </p:nvPicPr>
         <p:blipFill>
-          <a:blip r:embed="rId12"/>
+          <a:blip r:embed="rId13"/>
           <a:stretch>
             <a:fillRect/>
           </a:stretch>
@@ -4336,7 +4353,7 @@
           <p:nvPr/>
         </p:nvPicPr>
         <p:blipFill>
-          <a:blip r:embed="rId13"/>
+          <a:blip r:embed="rId14"/>
           <a:stretch>
             <a:fillRect/>
           </a:stretch>
@@ -4373,7 +4390,7 @@
           <p:nvPr/>
         </p:nvPicPr>
         <p:blipFill>
-          <a:blip r:embed="rId14"/>
+          <a:blip r:embed="rId15"/>
           <a:stretch>
             <a:fillRect/>
           </a:stretch>
@@ -4411,7 +4428,7 @@
             </p:nvSpPr>
             <p:spPr>
               <a:xfrm>
-                <a:off x="1197533" y="351032"/>
+                <a:off x="1157297" y="-18019"/>
                 <a:ext cx="3470822" cy="369332"/>
               </a:xfrm>
               <a:prstGeom prst="rect">
@@ -4425,6 +4442,7 @@
               </a:bodyPr>
               <a:lstStyle/>
               <a:p>
+                <a:pPr/>
                 <a14:m>
                   <m:oMathPara xmlns:m="http://schemas.openxmlformats.org/officeDocument/2006/math">
                     <m:oMathParaPr>
@@ -4486,16 +4504,16 @@
             </p:nvSpPr>
             <p:spPr>
               <a:xfrm>
-                <a:off x="1197533" y="351032"/>
+                <a:off x="1157297" y="-18019"/>
                 <a:ext cx="3470822" cy="369332"/>
               </a:xfrm>
               <a:prstGeom prst="rect">
                 <a:avLst/>
               </a:prstGeom>
               <a:blipFill>
-                <a:blip r:embed="rId15"/>
+                <a:blip r:embed="rId16"/>
                 <a:stretch>
-                  <a:fillRect b="-15000"/>
+                  <a:fillRect b="-13115"/>
                 </a:stretch>
               </a:blipFill>
             </p:spPr>
@@ -4514,8 +4532,8 @@
           </p:sp>
         </mc:Fallback>
       </mc:AlternateContent>
-      <mc:AlternateContent xmlns:mc="http://schemas.openxmlformats.org/markup-compatibility/2006">
-        <mc:Choice xmlns:a14="http://schemas.microsoft.com/office/drawing/2010/main" Requires="a14">
+      <mc:AlternateContent xmlns:mc="http://schemas.openxmlformats.org/markup-compatibility/2006" xmlns:a14="http://schemas.microsoft.com/office/drawing/2010/main">
+        <mc:Choice Requires="a14">
           <p:sp>
             <p:nvSpPr>
               <p:cNvPr id="5" name="TextBox 4">
@@ -4544,6 +4562,7 @@
               </a:bodyPr>
               <a:lstStyle/>
               <a:p>
+                <a:pPr/>
                 <a14:m>
                   <m:oMathPara xmlns:m="http://schemas.openxmlformats.org/officeDocument/2006/math">
                     <m:oMathParaPr>
@@ -4570,6 +4589,7 @@
                 </a:endParaRPr>
               </a:p>
               <a:p>
+                <a:pPr/>
                 <a14:m>
                   <m:oMathPara xmlns:m="http://schemas.openxmlformats.org/officeDocument/2006/math">
                     <m:oMathParaPr>
@@ -4596,6 +4616,7 @@
                 </a:endParaRPr>
               </a:p>
               <a:p>
+                <a:pPr/>
                 <a14:m>
                   <m:oMathPara xmlns:m="http://schemas.openxmlformats.org/officeDocument/2006/math">
                     <m:oMathParaPr>
@@ -4616,7 +4637,7 @@
             </p:txBody>
           </p:sp>
         </mc:Choice>
-        <mc:Fallback>
+        <mc:Fallback xmlns="">
           <p:sp>
             <p:nvSpPr>
               <p:cNvPr id="5" name="TextBox 4">
@@ -4640,7 +4661,7 @@
                 <a:avLst/>
               </a:prstGeom>
               <a:blipFill>
-                <a:blip r:embed="rId16"/>
+                <a:blip r:embed="rId17"/>
                 <a:stretch>
                   <a:fillRect/>
                 </a:stretch>
@@ -4675,8 +4696,8 @@
         </p:nvSpPr>
         <p:spPr>
           <a:xfrm rot="5400000">
-            <a:off x="4879763" y="3856507"/>
-            <a:ext cx="2451459" cy="743014"/>
+            <a:off x="4943284" y="3920029"/>
+            <a:ext cx="2324417" cy="743014"/>
           </a:xfrm>
           <a:prstGeom prst="bentUpArrow">
             <a:avLst/>
@@ -4704,6 +4725,377 @@
           <a:p>
             <a:pPr algn="ctr"/>
             <a:endParaRPr lang="en-US"/>
+          </a:p>
+        </p:txBody>
+      </p:sp>
+      <mc:AlternateContent xmlns:mc="http://schemas.openxmlformats.org/markup-compatibility/2006">
+        <mc:Choice xmlns:a14="http://schemas.microsoft.com/office/drawing/2010/main" Requires="a14">
+          <p:sp>
+            <p:nvSpPr>
+              <p:cNvPr id="7" name="TextBox 6">
+                <a:extLst>
+                  <a:ext uri="{FF2B5EF4-FFF2-40B4-BE49-F238E27FC236}">
+                    <a16:creationId xmlns:a16="http://schemas.microsoft.com/office/drawing/2014/main" id="{1D6C18E2-A45A-CB47-183A-EFBB7AB71088}"/>
+                  </a:ext>
+                </a:extLst>
+              </p:cNvPr>
+              <p:cNvSpPr txBox="1"/>
+              <p:nvPr/>
+            </p:nvSpPr>
+            <p:spPr>
+              <a:xfrm>
+                <a:off x="3425105" y="481015"/>
+                <a:ext cx="965329" cy="338554"/>
+              </a:xfrm>
+              <a:prstGeom prst="rect">
+                <a:avLst/>
+              </a:prstGeom>
+              <a:noFill/>
+            </p:spPr>
+            <p:txBody>
+              <a:bodyPr wrap="none" rtlCol="0">
+                <a:spAutoFit/>
+              </a:bodyPr>
+              <a:lstStyle/>
+              <a:p>
+                <a:pPr/>
+                <a:r>
+                  <a:rPr lang="en-US" sz="1600" b="1" dirty="0"/>
+                  <a:t>E</a:t>
+                </a:r>
+                <a14:m>
+                  <m:oMath xmlns:m="http://schemas.openxmlformats.org/officeDocument/2006/math">
+                    <m:r>
+                      <a:rPr lang="en-US" sz="1600" b="1" i="0" smtClean="0">
+                        <a:latin typeface="Cambria Math" panose="02040503050406030204" pitchFamily="18" charset="0"/>
+                      </a:rPr>
+                      <m:t>𝐧𝐜𝐨𝐝𝐞𝐫</m:t>
+                    </m:r>
+                  </m:oMath>
+                </a14:m>
+                <a:endParaRPr lang="en-US" sz="2000" b="1" dirty="0"/>
+              </a:p>
+            </p:txBody>
+          </p:sp>
+        </mc:Choice>
+        <mc:Fallback>
+          <p:sp>
+            <p:nvSpPr>
+              <p:cNvPr id="7" name="TextBox 6">
+                <a:extLst>
+                  <a:ext uri="{FF2B5EF4-FFF2-40B4-BE49-F238E27FC236}">
+                    <a16:creationId xmlns:a16="http://schemas.microsoft.com/office/drawing/2014/main" id="{1D6C18E2-A45A-CB47-183A-EFBB7AB71088}"/>
+                  </a:ext>
+                </a:extLst>
+              </p:cNvPr>
+              <p:cNvSpPr txBox="1">
+                <a:spLocks noRot="1" noChangeAspect="1" noMove="1" noResize="1" noEditPoints="1" noAdjustHandles="1" noChangeArrowheads="1" noChangeShapeType="1" noTextEdit="1"/>
+              </p:cNvSpPr>
+              <p:nvPr/>
+            </p:nvSpPr>
+            <p:spPr>
+              <a:xfrm>
+                <a:off x="3425105" y="481015"/>
+                <a:ext cx="965329" cy="338554"/>
+              </a:xfrm>
+              <a:prstGeom prst="rect">
+                <a:avLst/>
+              </a:prstGeom>
+              <a:blipFill>
+                <a:blip r:embed="rId18"/>
+                <a:stretch>
+                  <a:fillRect l="-3797" t="-5455" b="-23636"/>
+                </a:stretch>
+              </a:blipFill>
+            </p:spPr>
+            <p:txBody>
+              <a:bodyPr/>
+              <a:lstStyle/>
+              <a:p>
+                <a:r>
+                  <a:rPr lang="en-US">
+                    <a:noFill/>
+                  </a:rPr>
+                  <a:t> </a:t>
+                </a:r>
+              </a:p>
+            </p:txBody>
+          </p:sp>
+        </mc:Fallback>
+      </mc:AlternateContent>
+      <mc:AlternateContent xmlns:mc="http://schemas.openxmlformats.org/markup-compatibility/2006">
+        <mc:Choice xmlns:a14="http://schemas.microsoft.com/office/drawing/2010/main" Requires="a14">
+          <p:sp>
+            <p:nvSpPr>
+              <p:cNvPr id="8" name="TextBox 7">
+                <a:extLst>
+                  <a:ext uri="{FF2B5EF4-FFF2-40B4-BE49-F238E27FC236}">
+                    <a16:creationId xmlns:a16="http://schemas.microsoft.com/office/drawing/2014/main" id="{1D3FF2BE-2C35-1DA8-3FBF-CD21CE433E18}"/>
+                  </a:ext>
+                </a:extLst>
+              </p:cNvPr>
+              <p:cNvSpPr txBox="1"/>
+              <p:nvPr/>
+            </p:nvSpPr>
+            <p:spPr>
+              <a:xfrm>
+                <a:off x="7304164" y="481015"/>
+                <a:ext cx="981359" cy="338554"/>
+              </a:xfrm>
+              <a:prstGeom prst="rect">
+                <a:avLst/>
+              </a:prstGeom>
+              <a:noFill/>
+            </p:spPr>
+            <p:txBody>
+              <a:bodyPr wrap="none" rtlCol="0">
+                <a:spAutoFit/>
+              </a:bodyPr>
+              <a:lstStyle/>
+              <a:p>
+                <a:pPr/>
+                <a:r>
+                  <a:rPr lang="en-US" sz="1600" b="1" dirty="0"/>
+                  <a:t>D</a:t>
+                </a:r>
+                <a14:m>
+                  <m:oMath xmlns:m="http://schemas.openxmlformats.org/officeDocument/2006/math">
+                    <m:r>
+                      <a:rPr lang="en-US" sz="1600" b="1" i="0" smtClean="0">
+                        <a:latin typeface="Cambria Math" panose="02040503050406030204" pitchFamily="18" charset="0"/>
+                      </a:rPr>
+                      <m:t>𝐞𝐜𝐨𝐝𝐞𝐫</m:t>
+                    </m:r>
+                  </m:oMath>
+                </a14:m>
+                <a:endParaRPr lang="en-US" sz="2000" b="1" dirty="0"/>
+              </a:p>
+            </p:txBody>
+          </p:sp>
+        </mc:Choice>
+        <mc:Fallback>
+          <p:sp>
+            <p:nvSpPr>
+              <p:cNvPr id="8" name="TextBox 7">
+                <a:extLst>
+                  <a:ext uri="{FF2B5EF4-FFF2-40B4-BE49-F238E27FC236}">
+                    <a16:creationId xmlns:a16="http://schemas.microsoft.com/office/drawing/2014/main" id="{1D3FF2BE-2C35-1DA8-3FBF-CD21CE433E18}"/>
+                  </a:ext>
+                </a:extLst>
+              </p:cNvPr>
+              <p:cNvSpPr txBox="1">
+                <a:spLocks noRot="1" noChangeAspect="1" noMove="1" noResize="1" noEditPoints="1" noAdjustHandles="1" noChangeArrowheads="1" noChangeShapeType="1" noTextEdit="1"/>
+              </p:cNvSpPr>
+              <p:nvPr/>
+            </p:nvSpPr>
+            <p:spPr>
+              <a:xfrm>
+                <a:off x="7304164" y="481015"/>
+                <a:ext cx="981359" cy="338554"/>
+              </a:xfrm>
+              <a:prstGeom prst="rect">
+                <a:avLst/>
+              </a:prstGeom>
+              <a:blipFill>
+                <a:blip r:embed="rId19"/>
+                <a:stretch>
+                  <a:fillRect l="-3106" t="-5455" b="-23636"/>
+                </a:stretch>
+              </a:blipFill>
+            </p:spPr>
+            <p:txBody>
+              <a:bodyPr/>
+              <a:lstStyle/>
+              <a:p>
+                <a:r>
+                  <a:rPr lang="en-US">
+                    <a:noFill/>
+                  </a:rPr>
+                  <a:t> </a:t>
+                </a:r>
+              </a:p>
+            </p:txBody>
+          </p:sp>
+        </mc:Fallback>
+      </mc:AlternateContent>
+      <p:sp>
+        <p:nvSpPr>
+          <p:cNvPr id="9" name="TextBox 8">
+            <a:extLst>
+              <a:ext uri="{FF2B5EF4-FFF2-40B4-BE49-F238E27FC236}">
+                <a16:creationId xmlns:a16="http://schemas.microsoft.com/office/drawing/2014/main" id="{736EE230-705A-6C70-FDFE-5450EB31DF09}"/>
+              </a:ext>
+            </a:extLst>
+          </p:cNvPr>
+          <p:cNvSpPr txBox="1"/>
+          <p:nvPr/>
+        </p:nvSpPr>
+        <p:spPr>
+          <a:xfrm>
+            <a:off x="5025644" y="2852328"/>
+            <a:ext cx="1660904" cy="276999"/>
+          </a:xfrm>
+          <a:prstGeom prst="rect">
+            <a:avLst/>
+          </a:prstGeom>
+          <a:noFill/>
+        </p:spPr>
+        <p:txBody>
+          <a:bodyPr wrap="none" rtlCol="0">
+            <a:spAutoFit/>
+          </a:bodyPr>
+          <a:lstStyle/>
+          <a:p>
+            <a:r>
+              <a:rPr lang="en-US" sz="1200" b="1" dirty="0"/>
+              <a:t>Latent Representations</a:t>
+            </a:r>
+          </a:p>
+        </p:txBody>
+      </p:sp>
+      <p:sp>
+        <p:nvSpPr>
+          <p:cNvPr id="10" name="TextBox 9">
+            <a:extLst>
+              <a:ext uri="{FF2B5EF4-FFF2-40B4-BE49-F238E27FC236}">
+                <a16:creationId xmlns:a16="http://schemas.microsoft.com/office/drawing/2014/main" id="{91F59CED-0068-6085-A3CF-FFC3303922BB}"/>
+              </a:ext>
+            </a:extLst>
+          </p:cNvPr>
+          <p:cNvSpPr txBox="1"/>
+          <p:nvPr/>
+        </p:nvSpPr>
+        <p:spPr>
+          <a:xfrm>
+            <a:off x="5034880" y="1040738"/>
+            <a:ext cx="1574342" cy="276999"/>
+          </a:xfrm>
+          <a:prstGeom prst="rect">
+            <a:avLst/>
+          </a:prstGeom>
+          <a:noFill/>
+        </p:spPr>
+        <p:txBody>
+          <a:bodyPr wrap="none" rtlCol="0">
+            <a:spAutoFit/>
+          </a:bodyPr>
+          <a:lstStyle/>
+          <a:p>
+            <a:r>
+              <a:rPr lang="en-US" sz="1200" b="1" dirty="0"/>
+              <a:t>Graph Reconstruction</a:t>
+            </a:r>
+          </a:p>
+        </p:txBody>
+      </p:sp>
+      <p:sp>
+        <p:nvSpPr>
+          <p:cNvPr id="11" name="TextBox 10">
+            <a:extLst>
+              <a:ext uri="{FF2B5EF4-FFF2-40B4-BE49-F238E27FC236}">
+                <a16:creationId xmlns:a16="http://schemas.microsoft.com/office/drawing/2014/main" id="{74C24A03-A058-0760-3560-15CE9EF51E40}"/>
+              </a:ext>
+            </a:extLst>
+          </p:cNvPr>
+          <p:cNvSpPr txBox="1"/>
+          <p:nvPr/>
+        </p:nvSpPr>
+        <p:spPr>
+          <a:xfrm>
+            <a:off x="9986618" y="2998554"/>
+            <a:ext cx="1205395" cy="461665"/>
+          </a:xfrm>
+          <a:prstGeom prst="rect">
+            <a:avLst/>
+          </a:prstGeom>
+          <a:noFill/>
+        </p:spPr>
+        <p:txBody>
+          <a:bodyPr wrap="none" rtlCol="0">
+            <a:spAutoFit/>
+          </a:bodyPr>
+          <a:lstStyle/>
+          <a:p>
+            <a:r>
+              <a:rPr lang="en-US" sz="1200" b="1" dirty="0"/>
+              <a:t>Reconstructed </a:t>
+            </a:r>
+          </a:p>
+          <a:p>
+            <a:r>
+              <a:rPr lang="en-US" sz="1200" b="1" dirty="0"/>
+              <a:t>Node Attributes</a:t>
+            </a:r>
+          </a:p>
+        </p:txBody>
+      </p:sp>
+      <p:sp>
+        <p:nvSpPr>
+          <p:cNvPr id="12" name="TextBox 11">
+            <a:extLst>
+              <a:ext uri="{FF2B5EF4-FFF2-40B4-BE49-F238E27FC236}">
+                <a16:creationId xmlns:a16="http://schemas.microsoft.com/office/drawing/2014/main" id="{42B6D0A2-AD4B-9586-41B3-9ABBC38801AF}"/>
+              </a:ext>
+            </a:extLst>
+          </p:cNvPr>
+          <p:cNvSpPr txBox="1"/>
+          <p:nvPr/>
+        </p:nvSpPr>
+        <p:spPr>
+          <a:xfrm>
+            <a:off x="744203" y="3417022"/>
+            <a:ext cx="1604735" cy="276999"/>
+          </a:xfrm>
+          <a:prstGeom prst="rect">
+            <a:avLst/>
+          </a:prstGeom>
+          <a:noFill/>
+        </p:spPr>
+        <p:txBody>
+          <a:bodyPr wrap="none" rtlCol="0">
+            <a:spAutoFit/>
+          </a:bodyPr>
+          <a:lstStyle/>
+          <a:p>
+            <a:r>
+              <a:rPr lang="en-US" sz="1200" b="1" dirty="0"/>
+              <a:t>Node Attribute Matrix</a:t>
+            </a:r>
+          </a:p>
+        </p:txBody>
+      </p:sp>
+      <p:sp>
+        <p:nvSpPr>
+          <p:cNvPr id="13" name="TextBox 12">
+            <a:extLst>
+              <a:ext uri="{FF2B5EF4-FFF2-40B4-BE49-F238E27FC236}">
+                <a16:creationId xmlns:a16="http://schemas.microsoft.com/office/drawing/2014/main" id="{E95B098A-75F7-93D5-517E-69161379ECA5}"/>
+              </a:ext>
+            </a:extLst>
+          </p:cNvPr>
+          <p:cNvSpPr txBox="1"/>
+          <p:nvPr/>
+        </p:nvSpPr>
+        <p:spPr>
+          <a:xfrm>
+            <a:off x="709646" y="688308"/>
+            <a:ext cx="1723549" cy="276999"/>
+          </a:xfrm>
+          <a:prstGeom prst="rect">
+            <a:avLst/>
+          </a:prstGeom>
+          <a:noFill/>
+        </p:spPr>
+        <p:txBody>
+          <a:bodyPr wrap="none" rtlCol="0">
+            <a:spAutoFit/>
+          </a:bodyPr>
+          <a:lstStyle/>
+          <a:p>
+            <a:r>
+              <a:rPr lang="en-US" sz="1200" b="1" dirty="0"/>
+              <a:t>Graph Adjacency Matrix</a:t>
+            </a:r>
           </a:p>
         </p:txBody>
       </p:sp>
